--- a/mid-proj.pptx
+++ b/mid-proj.pptx
@@ -5,7 +5,9 @@
     <p:sldMasterId id="2147483648" r:id="rId1"/>
   </p:sldMasterIdLst>
   <p:sldIdLst>
-    <p:sldId id="256" r:id="rId2"/>
+    <p:sldId id="257" r:id="rId2"/>
+    <p:sldId id="256" r:id="rId3"/>
+    <p:sldId id="258" r:id="rId4"/>
   </p:sldIdLst>
   <p:sldSz cx="12192000" cy="6858000"/>
   <p:notesSz cx="6858000" cy="9144000"/>
@@ -104,6 +106,11 @@
       </a:defRPr>
     </a:lvl9pPr>
   </p:defaultTextStyle>
+  <p:extLst>
+    <p:ext uri="{EFAFB233-063F-42B5-8137-9DF3F51BA10A}">
+      <p15:sldGuideLst xmlns:p15="http://schemas.microsoft.com/office/powerpoint/2012/main"/>
+    </p:ext>
+  </p:extLst>
 </p:presentation>
 </file>
 
@@ -258,7 +265,7 @@
           <a:p>
             <a:fld id="{2927FEAF-E271-4C24-9DF2-7C3282F5867C}" type="datetimeFigureOut">
               <a:rPr lang="pl-PL" smtClean="0"/>
-              <a:t>18.03.2018</a:t>
+              <a:t>19.03.2018</a:t>
             </a:fld>
             <a:endParaRPr lang="pl-PL"/>
           </a:p>
@@ -456,7 +463,7 @@
           <a:p>
             <a:fld id="{2927FEAF-E271-4C24-9DF2-7C3282F5867C}" type="datetimeFigureOut">
               <a:rPr lang="pl-PL" smtClean="0"/>
-              <a:t>18.03.2018</a:t>
+              <a:t>19.03.2018</a:t>
             </a:fld>
             <a:endParaRPr lang="pl-PL"/>
           </a:p>
@@ -664,7 +671,7 @@
           <a:p>
             <a:fld id="{2927FEAF-E271-4C24-9DF2-7C3282F5867C}" type="datetimeFigureOut">
               <a:rPr lang="pl-PL" smtClean="0"/>
-              <a:t>18.03.2018</a:t>
+              <a:t>19.03.2018</a:t>
             </a:fld>
             <a:endParaRPr lang="pl-PL"/>
           </a:p>
@@ -862,7 +869,7 @@
           <a:p>
             <a:fld id="{2927FEAF-E271-4C24-9DF2-7C3282F5867C}" type="datetimeFigureOut">
               <a:rPr lang="pl-PL" smtClean="0"/>
-              <a:t>18.03.2018</a:t>
+              <a:t>19.03.2018</a:t>
             </a:fld>
             <a:endParaRPr lang="pl-PL"/>
           </a:p>
@@ -1137,7 +1144,7 @@
           <a:p>
             <a:fld id="{2927FEAF-E271-4C24-9DF2-7C3282F5867C}" type="datetimeFigureOut">
               <a:rPr lang="pl-PL" smtClean="0"/>
-              <a:t>18.03.2018</a:t>
+              <a:t>19.03.2018</a:t>
             </a:fld>
             <a:endParaRPr lang="pl-PL"/>
           </a:p>
@@ -1402,7 +1409,7 @@
           <a:p>
             <a:fld id="{2927FEAF-E271-4C24-9DF2-7C3282F5867C}" type="datetimeFigureOut">
               <a:rPr lang="pl-PL" smtClean="0"/>
-              <a:t>18.03.2018</a:t>
+              <a:t>19.03.2018</a:t>
             </a:fld>
             <a:endParaRPr lang="pl-PL"/>
           </a:p>
@@ -1814,7 +1821,7 @@
           <a:p>
             <a:fld id="{2927FEAF-E271-4C24-9DF2-7C3282F5867C}" type="datetimeFigureOut">
               <a:rPr lang="pl-PL" smtClean="0"/>
-              <a:t>18.03.2018</a:t>
+              <a:t>19.03.2018</a:t>
             </a:fld>
             <a:endParaRPr lang="pl-PL"/>
           </a:p>
@@ -1955,7 +1962,7 @@
           <a:p>
             <a:fld id="{2927FEAF-E271-4C24-9DF2-7C3282F5867C}" type="datetimeFigureOut">
               <a:rPr lang="pl-PL" smtClean="0"/>
-              <a:t>18.03.2018</a:t>
+              <a:t>19.03.2018</a:t>
             </a:fld>
             <a:endParaRPr lang="pl-PL"/>
           </a:p>
@@ -2068,7 +2075,7 @@
           <a:p>
             <a:fld id="{2927FEAF-E271-4C24-9DF2-7C3282F5867C}" type="datetimeFigureOut">
               <a:rPr lang="pl-PL" smtClean="0"/>
-              <a:t>18.03.2018</a:t>
+              <a:t>19.03.2018</a:t>
             </a:fld>
             <a:endParaRPr lang="pl-PL"/>
           </a:p>
@@ -2379,7 +2386,7 @@
           <a:p>
             <a:fld id="{2927FEAF-E271-4C24-9DF2-7C3282F5867C}" type="datetimeFigureOut">
               <a:rPr lang="pl-PL" smtClean="0"/>
-              <a:t>18.03.2018</a:t>
+              <a:t>19.03.2018</a:t>
             </a:fld>
             <a:endParaRPr lang="pl-PL"/>
           </a:p>
@@ -2667,7 +2674,7 @@
           <a:p>
             <a:fld id="{2927FEAF-E271-4C24-9DF2-7C3282F5867C}" type="datetimeFigureOut">
               <a:rPr lang="pl-PL" smtClean="0"/>
-              <a:t>18.03.2018</a:t>
+              <a:t>19.03.2018</a:t>
             </a:fld>
             <a:endParaRPr lang="pl-PL"/>
           </a:p>
@@ -2908,7 +2915,7 @@
           <a:p>
             <a:fld id="{2927FEAF-E271-4C24-9DF2-7C3282F5867C}" type="datetimeFigureOut">
               <a:rPr lang="pl-PL" smtClean="0"/>
-              <a:t>18.03.2018</a:t>
+              <a:t>19.03.2018</a:t>
             </a:fld>
             <a:endParaRPr lang="pl-PL"/>
           </a:p>
@@ -3327,6 +3334,190 @@
       </p:grpSpPr>
       <p:sp>
         <p:nvSpPr>
+          <p:cNvPr id="2" name="Tytuł 1">
+            <a:extLst>
+              <a:ext uri="{FF2B5EF4-FFF2-40B4-BE49-F238E27FC236}">
+                <a16:creationId xmlns:a16="http://schemas.microsoft.com/office/drawing/2014/main" id="{77E5978D-8438-444C-95DC-6B9186F71241}"/>
+              </a:ext>
+            </a:extLst>
+          </p:cNvPr>
+          <p:cNvSpPr>
+            <a:spLocks noGrp="1"/>
+          </p:cNvSpPr>
+          <p:nvPr>
+            <p:ph type="title"/>
+          </p:nvPr>
+        </p:nvSpPr>
+        <p:spPr/>
+        <p:txBody>
+          <a:bodyPr/>
+          <a:lstStyle/>
+          <a:p>
+            <a:r>
+              <a:rPr lang="pl-PL" dirty="0" err="1"/>
+              <a:t>Trump</a:t>
+            </a:r>
+            <a:r>
+              <a:rPr lang="pl-PL" dirty="0"/>
+              <a:t> </a:t>
+            </a:r>
+            <a:r>
+              <a:rPr lang="pl-PL" dirty="0" err="1"/>
+              <a:t>Tweets</a:t>
+            </a:r>
+            <a:r>
+              <a:rPr lang="pl-PL" dirty="0"/>
+              <a:t> vs The </a:t>
+            </a:r>
+            <a:r>
+              <a:rPr lang="pl-PL" dirty="0" err="1"/>
+              <a:t>markets</a:t>
+            </a:r>
+            <a:endParaRPr lang="pl-PL" dirty="0"/>
+          </a:p>
+        </p:txBody>
+      </p:sp>
+      <p:sp>
+        <p:nvSpPr>
+          <p:cNvPr id="3" name="Symbol zastępczy zawartości 2">
+            <a:extLst>
+              <a:ext uri="{FF2B5EF4-FFF2-40B4-BE49-F238E27FC236}">
+                <a16:creationId xmlns:a16="http://schemas.microsoft.com/office/drawing/2014/main" id="{90F4E900-A402-4059-AAD4-97F3BE305D7E}"/>
+              </a:ext>
+            </a:extLst>
+          </p:cNvPr>
+          <p:cNvSpPr>
+            <a:spLocks noGrp="1"/>
+          </p:cNvSpPr>
+          <p:nvPr>
+            <p:ph idx="1"/>
+          </p:nvPr>
+        </p:nvSpPr>
+        <p:spPr/>
+        <p:txBody>
+          <a:bodyPr/>
+          <a:lstStyle/>
+          <a:p>
+            <a:pPr marL="0" indent="0">
+              <a:buNone/>
+            </a:pPr>
+            <a:r>
+              <a:rPr lang="en-GB" dirty="0"/>
+              <a:t>The aim of the project is to find association between Trump tweets and U.S. Dollar.</a:t>
+            </a:r>
+          </a:p>
+          <a:p>
+            <a:pPr marL="0" indent="0">
+              <a:buNone/>
+            </a:pPr>
+            <a:endParaRPr lang="en-GB" dirty="0"/>
+          </a:p>
+          <a:p>
+            <a:pPr marL="0" indent="0">
+              <a:buNone/>
+            </a:pPr>
+            <a:r>
+              <a:rPr lang="en-GB" dirty="0"/>
+              <a:t>Each tweet will have extracted </a:t>
+            </a:r>
+          </a:p>
+          <a:p>
+            <a:pPr marL="0" indent="0">
+              <a:buNone/>
+            </a:pPr>
+            <a:r>
+              <a:rPr lang="en-GB" dirty="0"/>
+              <a:t>features(words and phrases), </a:t>
+            </a:r>
+          </a:p>
+          <a:p>
+            <a:pPr marL="0" indent="0">
+              <a:buNone/>
+            </a:pPr>
+            <a:r>
+              <a:rPr lang="en-GB" dirty="0"/>
+              <a:t>predicted a sentiment and given a</a:t>
+            </a:r>
+          </a:p>
+          <a:p>
+            <a:pPr marL="0" indent="0">
+              <a:buNone/>
+            </a:pPr>
+            <a:r>
+              <a:rPr lang="en-GB" dirty="0"/>
+              <a:t>dollar value change</a:t>
+            </a:r>
+          </a:p>
+          <a:p>
+            <a:pPr marL="0" indent="0">
+              <a:buNone/>
+            </a:pPr>
+            <a:endParaRPr lang="en-GB" dirty="0"/>
+          </a:p>
+        </p:txBody>
+      </p:sp>
+      <p:pic>
+        <p:nvPicPr>
+          <p:cNvPr id="5" name="Obraz 4">
+            <a:extLst>
+              <a:ext uri="{FF2B5EF4-FFF2-40B4-BE49-F238E27FC236}">
+                <a16:creationId xmlns:a16="http://schemas.microsoft.com/office/drawing/2014/main" id="{5C15070A-3369-407D-A71A-FC013EE5265A}"/>
+              </a:ext>
+            </a:extLst>
+          </p:cNvPr>
+          <p:cNvPicPr>
+            <a:picLocks noChangeAspect="1"/>
+          </p:cNvPicPr>
+          <p:nvPr/>
+        </p:nvPicPr>
+        <p:blipFill>
+          <a:blip r:embed="rId2"/>
+          <a:stretch>
+            <a:fillRect/>
+          </a:stretch>
+        </p:blipFill>
+        <p:spPr>
+          <a:xfrm>
+            <a:off x="7309825" y="2452688"/>
+            <a:ext cx="4333875" cy="3724275"/>
+          </a:xfrm>
+          <a:prstGeom prst="rect">
+            <a:avLst/>
+          </a:prstGeom>
+        </p:spPr>
+      </p:pic>
+    </p:spTree>
+    <p:extLst>
+      <p:ext uri="{BB962C8B-B14F-4D97-AF65-F5344CB8AC3E}">
+        <p14:creationId xmlns:p14="http://schemas.microsoft.com/office/powerpoint/2010/main" val="1229988936"/>
+      </p:ext>
+    </p:extLst>
+  </p:cSld>
+  <p:clrMapOvr>
+    <a:masterClrMapping/>
+  </p:clrMapOvr>
+</p:sld>
+</file>
+
+<file path=ppt/slides/slide2.xml><?xml version="1.0" encoding="utf-8"?>
+<p:sld xmlns:a="http://schemas.openxmlformats.org/drawingml/2006/main" xmlns:r="http://schemas.openxmlformats.org/officeDocument/2006/relationships" xmlns:p="http://schemas.openxmlformats.org/presentationml/2006/main">
+  <p:cSld>
+    <p:spTree>
+      <p:nvGrpSpPr>
+        <p:cNvPr id="1" name=""/>
+        <p:cNvGrpSpPr/>
+        <p:nvPr/>
+      </p:nvGrpSpPr>
+      <p:grpSpPr>
+        <a:xfrm>
+          <a:off x="0" y="0"/>
+          <a:ext cx="0" cy="0"/>
+          <a:chOff x="0" y="0"/>
+          <a:chExt cx="0" cy="0"/>
+        </a:xfrm>
+      </p:grpSpPr>
+      <p:sp>
+        <p:nvSpPr>
           <p:cNvPr id="3" name="Podtytuł 2">
             <a:extLst>
               <a:ext uri="{FF2B5EF4-FFF2-40B4-BE49-F238E27FC236}">
@@ -3352,18 +3543,188 @@
           <a:lstStyle/>
           <a:p>
             <a:r>
-              <a:rPr lang="en-GB" dirty="0"/>
+              <a:rPr lang="en-GB" b="1" dirty="0"/>
               <a:t>Twitter data scrapping</a:t>
             </a:r>
           </a:p>
           <a:p>
             <a:r>
-              <a:rPr lang="en-GB" dirty="0"/>
+              <a:rPr lang="en-GB" b="1" dirty="0"/>
               <a:t>Selecting tweets to do sent</a:t>
             </a:r>
             <a:r>
+              <a:rPr lang="pl-PL" b="1" dirty="0" err="1"/>
+              <a:t>iment</a:t>
+            </a:r>
+            <a:r>
+              <a:rPr lang="pl-PL" b="1" dirty="0"/>
+              <a:t> </a:t>
+            </a:r>
+            <a:r>
+              <a:rPr lang="pl-PL" b="1" dirty="0" err="1"/>
+              <a:t>analysis</a:t>
+            </a:r>
+            <a:endParaRPr lang="pl-PL" b="1" dirty="0"/>
+          </a:p>
+          <a:p>
+            <a:r>
+              <a:rPr lang="pl-PL" b="1" dirty="0" err="1"/>
+              <a:t>Features</a:t>
+            </a:r>
+            <a:r>
+              <a:rPr lang="pl-PL" b="1" dirty="0"/>
+              <a:t> </a:t>
+            </a:r>
+            <a:r>
+              <a:rPr lang="pl-PL" b="1" dirty="0" err="1"/>
+              <a:t>extraction</a:t>
+            </a:r>
+            <a:r>
+              <a:rPr lang="pl-PL" b="1" dirty="0"/>
+              <a:t> from </a:t>
+            </a:r>
+            <a:r>
+              <a:rPr lang="pl-PL" b="1" dirty="0" err="1"/>
+              <a:t>tweets</a:t>
+            </a:r>
+            <a:endParaRPr lang="pl-PL" b="1" dirty="0"/>
+          </a:p>
+          <a:p>
+            <a:r>
+              <a:rPr lang="pl-PL" b="1" dirty="0" err="1"/>
+              <a:t>Building</a:t>
+            </a:r>
+            <a:r>
+              <a:rPr lang="pl-PL" b="1" dirty="0"/>
+              <a:t> a model to do </a:t>
+            </a:r>
+            <a:r>
+              <a:rPr lang="pl-PL" b="1" dirty="0" err="1"/>
+              <a:t>sentiment</a:t>
+            </a:r>
+            <a:r>
+              <a:rPr lang="pl-PL" b="1" dirty="0"/>
+              <a:t> </a:t>
+            </a:r>
+            <a:r>
+              <a:rPr lang="pl-PL" b="1" dirty="0" err="1"/>
+              <a:t>analysis</a:t>
+            </a:r>
+            <a:endParaRPr lang="pl-PL" b="1" dirty="0"/>
+          </a:p>
+          <a:p>
+            <a:r>
+              <a:rPr lang="pl-PL" b="1" dirty="0" err="1"/>
+              <a:t>Selecting</a:t>
+            </a:r>
+            <a:r>
+              <a:rPr lang="pl-PL" b="1" dirty="0"/>
+              <a:t> </a:t>
+            </a:r>
+            <a:r>
+              <a:rPr lang="pl-PL" b="1" dirty="0" err="1"/>
+              <a:t>tweets</a:t>
+            </a:r>
+            <a:r>
+              <a:rPr lang="pl-PL" b="1" dirty="0"/>
+              <a:t> to </a:t>
+            </a:r>
+            <a:r>
+              <a:rPr lang="pl-PL" b="1" dirty="0" err="1"/>
+              <a:t>find</a:t>
+            </a:r>
+            <a:r>
+              <a:rPr lang="pl-PL" b="1" dirty="0"/>
+              <a:t> </a:t>
+            </a:r>
+            <a:r>
+              <a:rPr lang="pl-PL" b="1" dirty="0" err="1"/>
+              <a:t>assosiation</a:t>
+            </a:r>
+            <a:r>
+              <a:rPr lang="pl-PL" b="1" dirty="0"/>
+              <a:t> with </a:t>
+            </a:r>
+            <a:r>
+              <a:rPr lang="pl-PL" b="1" dirty="0" err="1"/>
+              <a:t>markets</a:t>
+            </a:r>
+            <a:endParaRPr lang="pl-PL" b="1" dirty="0"/>
+          </a:p>
+          <a:p>
+            <a:r>
+              <a:rPr lang="pl-PL" b="1" dirty="0" err="1"/>
+              <a:t>Building</a:t>
+            </a:r>
+            <a:r>
+              <a:rPr lang="pl-PL" b="1" dirty="0"/>
+              <a:t> a </a:t>
+            </a:r>
+            <a:r>
+              <a:rPr lang="pl-PL" b="1" dirty="0" err="1"/>
+              <a:t>dataset</a:t>
+            </a:r>
+            <a:r>
+              <a:rPr lang="pl-PL" b="1" dirty="0"/>
+              <a:t> with </a:t>
+            </a:r>
+            <a:r>
+              <a:rPr lang="pl-PL" b="1" dirty="0" err="1"/>
+              <a:t>tweets</a:t>
+            </a:r>
+            <a:r>
+              <a:rPr lang="pl-PL" b="1" dirty="0"/>
+              <a:t> and USD </a:t>
+            </a:r>
+            <a:r>
+              <a:rPr lang="pl-PL" b="1" dirty="0" err="1"/>
+              <a:t>changes</a:t>
+            </a:r>
+            <a:endParaRPr lang="pl-PL" b="1" dirty="0"/>
+          </a:p>
+          <a:p>
+            <a:r>
+              <a:rPr lang="pl-PL" b="1" dirty="0" err="1"/>
+              <a:t>Feature</a:t>
+            </a:r>
+            <a:r>
+              <a:rPr lang="pl-PL" b="1" dirty="0"/>
+              <a:t> </a:t>
+            </a:r>
+            <a:r>
+              <a:rPr lang="pl-PL" b="1" dirty="0" err="1"/>
+              <a:t>selection</a:t>
+            </a:r>
+            <a:r>
+              <a:rPr lang="pl-PL" b="1" dirty="0"/>
+              <a:t> on the </a:t>
+            </a:r>
+            <a:r>
+              <a:rPr lang="pl-PL" b="1" dirty="0" err="1"/>
+              <a:t>dataset</a:t>
+            </a:r>
+            <a:endParaRPr lang="pl-PL" b="1" dirty="0"/>
+          </a:p>
+          <a:p>
+            <a:r>
               <a:rPr lang="pl-PL" dirty="0" err="1"/>
-              <a:t>iment</a:t>
+              <a:t>Choosing</a:t>
+            </a:r>
+            <a:r>
+              <a:rPr lang="pl-PL" dirty="0"/>
+              <a:t> a </a:t>
+            </a:r>
+            <a:r>
+              <a:rPr lang="pl-PL" dirty="0" err="1"/>
+              <a:t>treshold</a:t>
+            </a:r>
+            <a:r>
+              <a:rPr lang="pl-PL" dirty="0"/>
+              <a:t> for USD </a:t>
+            </a:r>
+            <a:r>
+              <a:rPr lang="pl-PL" dirty="0" err="1"/>
+              <a:t>value</a:t>
             </a:r>
             <a:r>
               <a:rPr lang="pl-PL" dirty="0"/>
@@ -3371,146 +3732,7 @@
             </a:r>
             <a:r>
               <a:rPr lang="pl-PL" dirty="0" err="1"/>
-              <a:t>analysis</a:t>
-            </a:r>
-            <a:endParaRPr lang="pl-PL" dirty="0"/>
-          </a:p>
-          <a:p>
-            <a:r>
-              <a:rPr lang="pl-PL" dirty="0" err="1"/>
-              <a:t>Features</a:t>
-            </a:r>
-            <a:r>
-              <a:rPr lang="pl-PL" dirty="0"/>
-              <a:t> </a:t>
-            </a:r>
-            <a:r>
-              <a:rPr lang="pl-PL" dirty="0" err="1"/>
-              <a:t>extraction</a:t>
-            </a:r>
-            <a:r>
-              <a:rPr lang="pl-PL" dirty="0"/>
-              <a:t> from </a:t>
-            </a:r>
-            <a:r>
-              <a:rPr lang="pl-PL" dirty="0" err="1"/>
-              <a:t>tweets</a:t>
-            </a:r>
-            <a:endParaRPr lang="pl-PL" dirty="0"/>
-          </a:p>
-          <a:p>
-            <a:r>
-              <a:rPr lang="pl-PL" dirty="0" err="1"/>
-              <a:t>Building</a:t>
-            </a:r>
-            <a:r>
-              <a:rPr lang="pl-PL" dirty="0"/>
-              <a:t> a model to do </a:t>
-            </a:r>
-            <a:r>
-              <a:rPr lang="pl-PL" dirty="0" err="1"/>
-              <a:t>sentiment</a:t>
-            </a:r>
-            <a:r>
-              <a:rPr lang="pl-PL" dirty="0"/>
-              <a:t> </a:t>
-            </a:r>
-            <a:r>
-              <a:rPr lang="pl-PL" dirty="0" err="1"/>
-              <a:t>analysis</a:t>
-            </a:r>
-            <a:endParaRPr lang="pl-PL" dirty="0"/>
-          </a:p>
-          <a:p>
-            <a:r>
-              <a:rPr lang="pl-PL" dirty="0" err="1"/>
-              <a:t>Selecting</a:t>
-            </a:r>
-            <a:r>
-              <a:rPr lang="pl-PL" dirty="0"/>
-              <a:t> </a:t>
-            </a:r>
-            <a:r>
-              <a:rPr lang="pl-PL" dirty="0" err="1"/>
-              <a:t>tweets</a:t>
-            </a:r>
-            <a:r>
-              <a:rPr lang="pl-PL" dirty="0"/>
-              <a:t> to </a:t>
-            </a:r>
-            <a:r>
-              <a:rPr lang="pl-PL" dirty="0" err="1"/>
-              <a:t>find</a:t>
-            </a:r>
-            <a:r>
-              <a:rPr lang="pl-PL" dirty="0"/>
-              <a:t> </a:t>
-            </a:r>
-            <a:r>
-              <a:rPr lang="pl-PL" dirty="0" err="1"/>
-              <a:t>assosiation</a:t>
-            </a:r>
-            <a:r>
-              <a:rPr lang="pl-PL" dirty="0"/>
-              <a:t> with </a:t>
-            </a:r>
-            <a:r>
-              <a:rPr lang="pl-PL" dirty="0" err="1"/>
-              <a:t>markets</a:t>
-            </a:r>
-            <a:endParaRPr lang="pl-PL" dirty="0"/>
-          </a:p>
-          <a:p>
-            <a:r>
-              <a:rPr lang="pl-PL" dirty="0" err="1"/>
-              <a:t>Building</a:t>
-            </a:r>
-            <a:r>
-              <a:rPr lang="pl-PL" dirty="0"/>
-              <a:t> a </a:t>
-            </a:r>
-            <a:r>
-              <a:rPr lang="pl-PL" dirty="0" err="1"/>
-              <a:t>dataset</a:t>
-            </a:r>
-            <a:r>
-              <a:rPr lang="pl-PL" dirty="0"/>
-              <a:t> with </a:t>
-            </a:r>
-            <a:r>
-              <a:rPr lang="pl-PL" dirty="0" err="1"/>
-              <a:t>tweets</a:t>
-            </a:r>
-            <a:r>
-              <a:rPr lang="pl-PL" dirty="0"/>
-              <a:t> and USD </a:t>
-            </a:r>
-            <a:r>
-              <a:rPr lang="pl-PL" dirty="0" err="1"/>
               <a:t>changes</a:t>
-            </a:r>
-            <a:endParaRPr lang="pl-PL" dirty="0"/>
-          </a:p>
-          <a:p>
-            <a:r>
-              <a:rPr lang="pl-PL" dirty="0" err="1"/>
-              <a:t>Feature</a:t>
-            </a:r>
-            <a:r>
-              <a:rPr lang="pl-PL" dirty="0"/>
-              <a:t> </a:t>
-            </a:r>
-            <a:r>
-              <a:rPr lang="pl-PL" dirty="0" err="1"/>
-              <a:t>selection</a:t>
-            </a:r>
-            <a:r>
-              <a:rPr lang="pl-PL" dirty="0"/>
-              <a:t> on the </a:t>
-            </a:r>
-            <a:r>
-              <a:rPr lang="pl-PL" dirty="0" err="1"/>
-              <a:t>dataset</a:t>
             </a:r>
             <a:endParaRPr lang="pl-PL" dirty="0"/>
           </a:p>
@@ -3629,6 +3851,198 @@
     <p:extLst>
       <p:ext uri="{BB962C8B-B14F-4D97-AF65-F5344CB8AC3E}">
         <p14:creationId xmlns:p14="http://schemas.microsoft.com/office/powerpoint/2010/main" val="3713859562"/>
+      </p:ext>
+    </p:extLst>
+  </p:cSld>
+  <p:clrMapOvr>
+    <a:masterClrMapping/>
+  </p:clrMapOvr>
+</p:sld>
+</file>
+
+<file path=ppt/slides/slide3.xml><?xml version="1.0" encoding="utf-8"?>
+<p:sld xmlns:a="http://schemas.openxmlformats.org/drawingml/2006/main" xmlns:r="http://schemas.openxmlformats.org/officeDocument/2006/relationships" xmlns:p="http://schemas.openxmlformats.org/presentationml/2006/main">
+  <p:cSld>
+    <p:spTree>
+      <p:nvGrpSpPr>
+        <p:cNvPr id="1" name=""/>
+        <p:cNvGrpSpPr/>
+        <p:nvPr/>
+      </p:nvGrpSpPr>
+      <p:grpSpPr>
+        <a:xfrm>
+          <a:off x="0" y="0"/>
+          <a:ext cx="0" cy="0"/>
+          <a:chOff x="0" y="0"/>
+          <a:chExt cx="0" cy="0"/>
+        </a:xfrm>
+      </p:grpSpPr>
+      <p:sp>
+        <p:nvSpPr>
+          <p:cNvPr id="3" name="Symbol zastępczy zawartości 2">
+            <a:extLst>
+              <a:ext uri="{FF2B5EF4-FFF2-40B4-BE49-F238E27FC236}">
+                <a16:creationId xmlns:a16="http://schemas.microsoft.com/office/drawing/2014/main" id="{39F85E04-24EE-49F6-8E77-73ECC4757F9A}"/>
+              </a:ext>
+            </a:extLst>
+          </p:cNvPr>
+          <p:cNvSpPr>
+            <a:spLocks noGrp="1"/>
+          </p:cNvSpPr>
+          <p:nvPr>
+            <p:ph idx="1"/>
+          </p:nvPr>
+        </p:nvSpPr>
+        <p:spPr>
+          <a:xfrm>
+            <a:off x="838200" y="390293"/>
+            <a:ext cx="10515600" cy="5786670"/>
+          </a:xfrm>
+        </p:spPr>
+        <p:txBody>
+          <a:bodyPr/>
+          <a:lstStyle/>
+          <a:p>
+            <a:pPr marL="0" indent="0" algn="ctr">
+              <a:buNone/>
+            </a:pPr>
+            <a:r>
+              <a:rPr lang="pl-PL" b="1" dirty="0" err="1"/>
+              <a:t>Results</a:t>
+            </a:r>
+            <a:r>
+              <a:rPr lang="pl-PL" b="1" dirty="0"/>
+              <a:t> </a:t>
+            </a:r>
+            <a:r>
+              <a:rPr lang="pl-PL" b="1" dirty="0" err="1"/>
+              <a:t>so</a:t>
+            </a:r>
+            <a:r>
+              <a:rPr lang="pl-PL" b="1" dirty="0"/>
+              <a:t> far:</a:t>
+            </a:r>
+          </a:p>
+          <a:p>
+            <a:pPr marL="0" indent="0">
+              <a:buNone/>
+            </a:pPr>
+            <a:r>
+              <a:rPr lang="pl-PL" dirty="0" err="1"/>
+              <a:t>ZeroR</a:t>
+            </a:r>
+            <a:r>
+              <a:rPr lang="pl-PL" dirty="0"/>
+              <a:t>: 39%</a:t>
+            </a:r>
+          </a:p>
+          <a:p>
+            <a:pPr marL="0" indent="0">
+              <a:buNone/>
+            </a:pPr>
+            <a:endParaRPr lang="pl-PL" dirty="0"/>
+          </a:p>
+          <a:p>
+            <a:pPr marL="0" indent="0">
+              <a:buNone/>
+            </a:pPr>
+            <a:r>
+              <a:rPr lang="pl-PL" dirty="0" err="1"/>
+              <a:t>Naive</a:t>
+            </a:r>
+            <a:r>
+              <a:rPr lang="pl-PL" dirty="0"/>
+              <a:t> Bayes: 46% on test (52% on </a:t>
+            </a:r>
+            <a:r>
+              <a:rPr lang="pl-PL" dirty="0" err="1"/>
+              <a:t>train</a:t>
+            </a:r>
+            <a:r>
+              <a:rPr lang="pl-PL" dirty="0"/>
+              <a:t>),</a:t>
+            </a:r>
+          </a:p>
+          <a:p>
+            <a:pPr marL="0" indent="0">
+              <a:buNone/>
+            </a:pPr>
+            <a:r>
+              <a:rPr lang="pl-PL" dirty="0" err="1"/>
+              <a:t>Logistic</a:t>
+            </a:r>
+            <a:r>
+              <a:rPr lang="pl-PL" dirty="0"/>
+              <a:t> Reg: 47% on test (53% on </a:t>
+            </a:r>
+            <a:r>
+              <a:rPr lang="pl-PL" dirty="0" err="1"/>
+              <a:t>train</a:t>
+            </a:r>
+            <a:r>
+              <a:rPr lang="pl-PL" dirty="0"/>
+              <a:t>),</a:t>
+            </a:r>
+          </a:p>
+          <a:p>
+            <a:pPr marL="0" indent="0">
+              <a:buNone/>
+            </a:pPr>
+            <a:r>
+              <a:rPr lang="pl-PL" dirty="0"/>
+              <a:t>J48: 45% on test (54% on </a:t>
+            </a:r>
+            <a:r>
+              <a:rPr lang="pl-PL" dirty="0" err="1"/>
+              <a:t>train</a:t>
+            </a:r>
+            <a:r>
+              <a:rPr lang="pl-PL" dirty="0"/>
+              <a:t>)</a:t>
+            </a:r>
+          </a:p>
+          <a:p>
+            <a:pPr marL="0" indent="0">
+              <a:buNone/>
+            </a:pPr>
+            <a:endParaRPr lang="pl-PL" dirty="0"/>
+          </a:p>
+        </p:txBody>
+      </p:sp>
+      <p:pic>
+        <p:nvPicPr>
+          <p:cNvPr id="5" name="Obraz 4">
+            <a:extLst>
+              <a:ext uri="{FF2B5EF4-FFF2-40B4-BE49-F238E27FC236}">
+                <a16:creationId xmlns:a16="http://schemas.microsoft.com/office/drawing/2014/main" id="{B772AA25-0F4E-4DE3-AF21-9AB2BEBB6C64}"/>
+              </a:ext>
+            </a:extLst>
+          </p:cNvPr>
+          <p:cNvPicPr>
+            <a:picLocks noChangeAspect="1"/>
+          </p:cNvPicPr>
+          <p:nvPr/>
+        </p:nvPicPr>
+        <p:blipFill>
+          <a:blip r:embed="rId2"/>
+          <a:stretch>
+            <a:fillRect/>
+          </a:stretch>
+        </p:blipFill>
+        <p:spPr>
+          <a:xfrm>
+            <a:off x="1038921" y="3778869"/>
+            <a:ext cx="3703542" cy="2320035"/>
+          </a:xfrm>
+          <a:prstGeom prst="rect">
+            <a:avLst/>
+          </a:prstGeom>
+        </p:spPr>
+      </p:pic>
+    </p:spTree>
+    <p:extLst>
+      <p:ext uri="{BB962C8B-B14F-4D97-AF65-F5344CB8AC3E}">
+        <p14:creationId xmlns:p14="http://schemas.microsoft.com/office/powerpoint/2010/main" val="113273652"/>
       </p:ext>
     </p:extLst>
   </p:cSld>
